--- a/24062016/Presentations/Introduction to Xamarin.pptx
+++ b/24062016/Presentations/Introduction to Xamarin.pptx
@@ -5,7 +5,7 @@
     <p:sldMasterId id="2147483651" r:id="rId1"/>
   </p:sldMasterIdLst>
   <p:notesMasterIdLst>
-    <p:notesMasterId r:id="rId11"/>
+    <p:notesMasterId r:id="rId12"/>
   </p:notesMasterIdLst>
   <p:sldIdLst>
     <p:sldId id="268" r:id="rId2"/>
@@ -17,6 +17,7 @@
     <p:sldId id="272" r:id="rId8"/>
     <p:sldId id="271" r:id="rId9"/>
     <p:sldId id="275" r:id="rId10"/>
+    <p:sldId id="278" r:id="rId11"/>
   </p:sldIdLst>
   <p:sldSz cx="24384000" cy="13716000"/>
   <p:notesSz cx="6858000" cy="9144000"/>
@@ -1500,6 +1501,139 @@
     <p:extLst>
       <p:ext uri="{BB962C8B-B14F-4D97-AF65-F5344CB8AC3E}">
         <p14:creationId xmlns:p14="http://schemas.microsoft.com/office/powerpoint/2010/main" val="986452653"/>
+      </p:ext>
+    </p:extLst>
+  </p:cSld>
+  <p:clrMapOvr>
+    <a:masterClrMapping/>
+  </p:clrMapOvr>
+</p:notes>
+</file>
+
+<file path=ppt/notesSlides/notesSlide8.xml><?xml version="1.0" encoding="utf-8"?>
+<p:notes xmlns:a="http://schemas.openxmlformats.org/drawingml/2006/main" xmlns:r="http://schemas.openxmlformats.org/officeDocument/2006/relationships" xmlns:p="http://schemas.openxmlformats.org/presentationml/2006/main" showMasterSp="0" showMasterPhAnim="0">
+  <p:cSld>
+    <p:spTree>
+      <p:nvGrpSpPr>
+        <p:cNvPr id="1" name="Shape 44"/>
+        <p:cNvGrpSpPr/>
+        <p:nvPr/>
+      </p:nvGrpSpPr>
+      <p:grpSpPr>
+        <a:xfrm>
+          <a:off x="0" y="0"/>
+          <a:ext cx="0" cy="0"/>
+          <a:chOff x="0" y="0"/>
+          <a:chExt cx="0" cy="0"/>
+        </a:xfrm>
+      </p:grpSpPr>
+      <p:sp>
+        <p:nvSpPr>
+          <p:cNvPr id="45" name="Shape 45"/>
+          <p:cNvSpPr>
+            <a:spLocks noGrp="1" noRot="1" noChangeAspect="1"/>
+          </p:cNvSpPr>
+          <p:nvPr>
+            <p:ph type="sldImg" idx="2"/>
+          </p:nvPr>
+        </p:nvSpPr>
+        <p:spPr>
+          <a:xfrm>
+            <a:off x="381000" y="685800"/>
+            <a:ext cx="6096000" cy="3429000"/>
+          </a:xfrm>
+          <a:custGeom>
+            <a:avLst/>
+            <a:gdLst/>
+            <a:ahLst/>
+            <a:cxnLst/>
+            <a:rect l="0" t="0" r="0" b="0"/>
+            <a:pathLst>
+              <a:path w="120000" h="120000" extrusionOk="0">
+                <a:moveTo>
+                  <a:pt x="0" y="0"/>
+                </a:moveTo>
+                <a:lnTo>
+                  <a:pt x="120000" y="0"/>
+                </a:lnTo>
+                <a:lnTo>
+                  <a:pt x="120000" y="120000"/>
+                </a:lnTo>
+                <a:lnTo>
+                  <a:pt x="0" y="120000"/>
+                </a:lnTo>
+                <a:close/>
+              </a:path>
+            </a:pathLst>
+          </a:custGeom>
+          <a:noFill/>
+          <a:ln>
+            <a:noFill/>
+          </a:ln>
+        </p:spPr>
+      </p:sp>
+      <p:sp>
+        <p:nvSpPr>
+          <p:cNvPr id="46" name="Shape 46"/>
+          <p:cNvSpPr txBox="1">
+            <a:spLocks noGrp="1"/>
+          </p:cNvSpPr>
+          <p:nvPr>
+            <p:ph type="body" idx="1"/>
+          </p:nvPr>
+        </p:nvSpPr>
+        <p:spPr>
+          <a:xfrm>
+            <a:off x="914400" y="4343400"/>
+            <a:ext cx="5029199" cy="4114800"/>
+          </a:xfrm>
+          <a:prstGeom prst="rect">
+            <a:avLst/>
+          </a:prstGeom>
+          <a:noFill/>
+          <a:ln>
+            <a:noFill/>
+          </a:ln>
+        </p:spPr>
+        <p:txBody>
+          <a:bodyPr lIns="91425" tIns="91425" rIns="91425" bIns="91425" anchor="t" anchorCtr="0">
+            <a:noAutofit/>
+          </a:bodyPr>
+          <a:lstStyle/>
+          <a:p>
+            <a:pPr marL="0" marR="0" lvl="0" indent="0" algn="l" rtl="0">
+              <a:lnSpc>
+                <a:spcPct val="117999"/>
+              </a:lnSpc>
+              <a:spcBef>
+                <a:spcPts val="0"/>
+              </a:spcBef>
+              <a:spcAft>
+                <a:spcPts val="0"/>
+              </a:spcAft>
+              <a:buClr>
+                <a:schemeClr val="dk1"/>
+              </a:buClr>
+              <a:buSzPct val="25000"/>
+              <a:buFont typeface="Arial"/>
+              <a:buNone/>
+            </a:pPr>
+            <a:endParaRPr sz="1400" b="1" i="0" u="none" strike="noStrike" cap="none">
+              <a:solidFill>
+                <a:schemeClr val="dk1"/>
+              </a:solidFill>
+              <a:latin typeface="Quattrocento Sans"/>
+              <a:ea typeface="Quattrocento Sans"/>
+              <a:cs typeface="Quattrocento Sans"/>
+              <a:sym typeface="Quattrocento Sans"/>
+            </a:endParaRPr>
+          </a:p>
+        </p:txBody>
+      </p:sp>
+    </p:spTree>
+    <p:extLst>
+      <p:ext uri="{BB962C8B-B14F-4D97-AF65-F5344CB8AC3E}">
+        <p14:creationId xmlns:p14="http://schemas.microsoft.com/office/powerpoint/2010/main" val="3406975799"/>
       </p:ext>
     </p:extLst>
   </p:cSld>
@@ -3185,6 +3319,613 @@
 </p:sld>
 </file>
 
+<file path=ppt/slides/slide10.xml><?xml version="1.0" encoding="utf-8"?>
+<p:sld xmlns:a="http://schemas.openxmlformats.org/drawingml/2006/main" xmlns:r="http://schemas.openxmlformats.org/officeDocument/2006/relationships" xmlns:p="http://schemas.openxmlformats.org/presentationml/2006/main">
+  <p:cSld>
+    <p:spTree>
+      <p:nvGrpSpPr>
+        <p:cNvPr id="1" name="Shape 47"/>
+        <p:cNvGrpSpPr/>
+        <p:nvPr/>
+      </p:nvGrpSpPr>
+      <p:grpSpPr>
+        <a:xfrm>
+          <a:off x="0" y="0"/>
+          <a:ext cx="0" cy="0"/>
+          <a:chOff x="0" y="0"/>
+          <a:chExt cx="0" cy="0"/>
+        </a:xfrm>
+      </p:grpSpPr>
+      <p:sp>
+        <p:nvSpPr>
+          <p:cNvPr id="61" name="Shape 61"/>
+          <p:cNvSpPr txBox="1">
+            <a:spLocks noGrp="1"/>
+          </p:cNvSpPr>
+          <p:nvPr>
+            <p:ph type="title"/>
+          </p:nvPr>
+        </p:nvSpPr>
+        <p:spPr>
+          <a:xfrm>
+            <a:off x="831200" y="1186733"/>
+            <a:ext cx="22721700" cy="1527300"/>
+          </a:xfrm>
+          <a:prstGeom prst="rect">
+            <a:avLst/>
+          </a:prstGeom>
+          <a:noFill/>
+          <a:ln>
+            <a:noFill/>
+          </a:ln>
+        </p:spPr>
+        <p:txBody>
+          <a:bodyPr lIns="243800" tIns="243800" rIns="243800" bIns="243800" anchor="t" anchorCtr="0">
+            <a:noAutofit/>
+          </a:bodyPr>
+          <a:lstStyle/>
+          <a:p>
+            <a:pPr>
+              <a:buSzPct val="25000"/>
+            </a:pPr>
+            <a:r>
+              <a:rPr lang="en-US" sz="6600" b="0" i="0" u="none" strike="noStrike" cap="none" dirty="0" err="1">
+                <a:solidFill>
+                  <a:srgbClr val="18B4E2"/>
+                </a:solidFill>
+                <a:latin typeface="Quattrocento Sans"/>
+                <a:ea typeface="Quattrocento Sans"/>
+                <a:cs typeface="Quattrocento Sans"/>
+                <a:sym typeface="Quattrocento Sans"/>
+              </a:rPr>
+              <a:t>Xamarin</a:t>
+            </a:r>
+            <a:r>
+              <a:rPr lang="en-US" sz="6600" b="0" i="0" u="none" strike="noStrike" cap="none" dirty="0">
+                <a:solidFill>
+                  <a:srgbClr val="18B4E2"/>
+                </a:solidFill>
+                <a:latin typeface="Quattrocento Sans"/>
+                <a:ea typeface="Quattrocento Sans"/>
+                <a:cs typeface="Quattrocento Sans"/>
+                <a:sym typeface="Quattrocento Sans"/>
+              </a:rPr>
+              <a:t> Dev Days South Africa! #</a:t>
+            </a:r>
+            <a:r>
+              <a:rPr lang="en-US" sz="6600" b="0" i="0" u="none" strike="noStrike" cap="none" dirty="0" err="1">
+                <a:solidFill>
+                  <a:srgbClr val="18B4E2"/>
+                </a:solidFill>
+                <a:latin typeface="Quattrocento Sans"/>
+                <a:ea typeface="Quattrocento Sans"/>
+                <a:cs typeface="Quattrocento Sans"/>
+                <a:sym typeface="Quattrocento Sans"/>
+              </a:rPr>
+              <a:t>XamarinDevDays</a:t>
+            </a:r>
+            <a:br>
+              <a:rPr lang="en-US" sz="6600" b="0" i="0" u="none" strike="noStrike" cap="none" dirty="0">
+                <a:solidFill>
+                  <a:srgbClr val="18B4E2"/>
+                </a:solidFill>
+                <a:latin typeface="Quattrocento Sans"/>
+                <a:ea typeface="Quattrocento Sans"/>
+                <a:cs typeface="Quattrocento Sans"/>
+                <a:sym typeface="Quattrocento Sans"/>
+              </a:rPr>
+            </a:br>
+            <a:endParaRPr lang="en-US" sz="6600" b="0" i="0" u="none" strike="noStrike" cap="none" dirty="0">
+              <a:solidFill>
+                <a:srgbClr val="18B4E2"/>
+              </a:solidFill>
+              <a:latin typeface="Quattrocento Sans"/>
+              <a:ea typeface="Quattrocento Sans"/>
+              <a:cs typeface="Quattrocento Sans"/>
+              <a:sym typeface="Quattrocento Sans"/>
+            </a:endParaRPr>
+          </a:p>
+        </p:txBody>
+      </p:sp>
+      <p:sp>
+        <p:nvSpPr>
+          <p:cNvPr id="6" name="TextBox 5"/>
+          <p:cNvSpPr txBox="1"/>
+          <p:nvPr/>
+        </p:nvSpPr>
+        <p:spPr>
+          <a:xfrm>
+            <a:off x="5897097" y="11377052"/>
+            <a:ext cx="11794190" cy="769441"/>
+          </a:xfrm>
+          <a:prstGeom prst="rect">
+            <a:avLst/>
+          </a:prstGeom>
+          <a:noFill/>
+        </p:spPr>
+        <p:txBody>
+          <a:bodyPr wrap="square" rtlCol="0">
+            <a:spAutoFit/>
+          </a:bodyPr>
+          <a:lstStyle/>
+          <a:p>
+            <a:pPr algn="l"/>
+            <a:r>
+              <a:rPr lang="en-US" sz="4400" dirty="0">
+                <a:latin typeface="Arial Black" panose="020B0604020202020204" pitchFamily="34" charset="0"/>
+                <a:cs typeface="Arial Black" panose="020B0604020202020204" pitchFamily="34" charset="0"/>
+              </a:rPr>
+              <a:t>https://www.xamarin.com/dev-days</a:t>
+            </a:r>
+          </a:p>
+        </p:txBody>
+      </p:sp>
+      <p:sp>
+        <p:nvSpPr>
+          <p:cNvPr id="7" name="TextBox 6"/>
+          <p:cNvSpPr txBox="1"/>
+          <p:nvPr/>
+        </p:nvSpPr>
+        <p:spPr>
+          <a:xfrm>
+            <a:off x="3601429" y="3844666"/>
+            <a:ext cx="18265588" cy="5078313"/>
+          </a:xfrm>
+          <a:prstGeom prst="rect">
+            <a:avLst/>
+          </a:prstGeom>
+          <a:noFill/>
+        </p:spPr>
+        <p:txBody>
+          <a:bodyPr wrap="square" rtlCol="0">
+            <a:spAutoFit/>
+          </a:bodyPr>
+          <a:lstStyle/>
+          <a:p>
+            <a:r>
+              <a:rPr lang="en-US" sz="3600" b="0" i="0" dirty="0">
+                <a:solidFill>
+                  <a:srgbClr val="76828A"/>
+                </a:solidFill>
+                <a:effectLst/>
+                <a:latin typeface="WeblySleek UI"/>
+              </a:rPr>
+              <a:t>9:00 </a:t>
+            </a:r>
+            <a:r>
+              <a:rPr lang="en-US" sz="3600" b="0" i="0" dirty="0">
+                <a:solidFill>
+                  <a:srgbClr val="9AA4AB"/>
+                </a:solidFill>
+                <a:effectLst/>
+                <a:latin typeface="WeblySleek UI"/>
+              </a:rPr>
+              <a:t>AM</a:t>
+            </a:r>
+            <a:r>
+              <a:rPr lang="en-US" sz="3600" b="0" i="0" dirty="0">
+                <a:solidFill>
+                  <a:srgbClr val="76828A"/>
+                </a:solidFill>
+                <a:effectLst/>
+                <a:latin typeface="WeblySleek UI"/>
+              </a:rPr>
+              <a:t> – 9:30 </a:t>
+            </a:r>
+            <a:r>
+              <a:rPr lang="en-US" sz="3600" b="0" i="0" dirty="0">
+                <a:solidFill>
+                  <a:srgbClr val="9AA4AB"/>
+                </a:solidFill>
+                <a:effectLst/>
+                <a:latin typeface="WeblySleek UI"/>
+              </a:rPr>
+              <a:t>AM</a:t>
+            </a:r>
+            <a:r>
+              <a:rPr lang="en-US" sz="3600" dirty="0">
+                <a:solidFill>
+                  <a:srgbClr val="76828A"/>
+                </a:solidFill>
+                <a:latin typeface="WeblySleek UI"/>
+              </a:rPr>
+              <a:t> </a:t>
+            </a:r>
+            <a:r>
+              <a:rPr lang="en-US" sz="3600" b="0" i="0" dirty="0">
+                <a:solidFill>
+                  <a:srgbClr val="4E5758"/>
+                </a:solidFill>
+                <a:effectLst/>
+                <a:latin typeface="WeblySleek UI"/>
+              </a:rPr>
+              <a:t>Registration</a:t>
+            </a:r>
+          </a:p>
+          <a:p>
+            <a:r>
+              <a:rPr lang="en-US" sz="3600" b="0" i="0" dirty="0">
+                <a:solidFill>
+                  <a:srgbClr val="76828A"/>
+                </a:solidFill>
+                <a:effectLst/>
+                <a:latin typeface="WeblySleek UI"/>
+              </a:rPr>
+              <a:t>9:30 </a:t>
+            </a:r>
+            <a:r>
+              <a:rPr lang="en-US" sz="3600" b="0" i="0" dirty="0">
+                <a:solidFill>
+                  <a:srgbClr val="9AA4AB"/>
+                </a:solidFill>
+                <a:effectLst/>
+                <a:latin typeface="WeblySleek UI"/>
+              </a:rPr>
+              <a:t>AM</a:t>
+            </a:r>
+            <a:r>
+              <a:rPr lang="en-US" sz="3600" b="0" i="0" dirty="0">
+                <a:solidFill>
+                  <a:srgbClr val="76828A"/>
+                </a:solidFill>
+                <a:effectLst/>
+                <a:latin typeface="WeblySleek UI"/>
+              </a:rPr>
+              <a:t> – 10:10 </a:t>
+            </a:r>
+            <a:r>
+              <a:rPr lang="en-US" sz="3600" b="0" i="0" dirty="0">
+                <a:solidFill>
+                  <a:srgbClr val="9AA4AB"/>
+                </a:solidFill>
+                <a:effectLst/>
+                <a:latin typeface="WeblySleek UI"/>
+              </a:rPr>
+              <a:t>AM</a:t>
+            </a:r>
+            <a:r>
+              <a:rPr lang="en-US" sz="3600" dirty="0">
+                <a:solidFill>
+                  <a:srgbClr val="76828A"/>
+                </a:solidFill>
+                <a:latin typeface="WeblySleek UI"/>
+              </a:rPr>
+              <a:t> </a:t>
+            </a:r>
+            <a:r>
+              <a:rPr lang="en-US" sz="3600" b="0" i="0" dirty="0">
+                <a:solidFill>
+                  <a:srgbClr val="4E5758"/>
+                </a:solidFill>
+                <a:effectLst/>
+                <a:latin typeface="WeblySleek UI"/>
+              </a:rPr>
+              <a:t>Intro </a:t>
+            </a:r>
+            <a:r>
+              <a:rPr lang="en-US" sz="3600" b="0" i="0" dirty="0" err="1">
+                <a:solidFill>
+                  <a:srgbClr val="4E5758"/>
+                </a:solidFill>
+                <a:effectLst/>
+                <a:latin typeface="WeblySleek UI"/>
+              </a:rPr>
+              <a:t>Xamarin</a:t>
+            </a:r>
+            <a:r>
+              <a:rPr lang="en-US" sz="3600" b="0" i="0" dirty="0">
+                <a:solidFill>
+                  <a:srgbClr val="4E5758"/>
+                </a:solidFill>
+                <a:effectLst/>
+                <a:latin typeface="WeblySleek UI"/>
+              </a:rPr>
+              <a:t> presentation</a:t>
+            </a:r>
+          </a:p>
+          <a:p>
+            <a:r>
+              <a:rPr lang="en-US" sz="3600" b="0" i="0" dirty="0">
+                <a:solidFill>
+                  <a:srgbClr val="76828A"/>
+                </a:solidFill>
+                <a:effectLst/>
+                <a:latin typeface="WeblySleek UI"/>
+              </a:rPr>
+              <a:t>10:20 </a:t>
+            </a:r>
+            <a:r>
+              <a:rPr lang="en-US" sz="3600" b="0" i="0" dirty="0">
+                <a:solidFill>
+                  <a:srgbClr val="9AA4AB"/>
+                </a:solidFill>
+                <a:effectLst/>
+                <a:latin typeface="WeblySleek UI"/>
+              </a:rPr>
+              <a:t>AM</a:t>
+            </a:r>
+            <a:r>
+              <a:rPr lang="en-US" sz="3600" b="0" i="0" dirty="0">
+                <a:solidFill>
+                  <a:srgbClr val="76828A"/>
+                </a:solidFill>
+                <a:effectLst/>
+                <a:latin typeface="WeblySleek UI"/>
+              </a:rPr>
+              <a:t> – 11:00 </a:t>
+            </a:r>
+            <a:r>
+              <a:rPr lang="en-US" sz="3600" b="0" i="0" dirty="0">
+                <a:solidFill>
+                  <a:srgbClr val="9AA4AB"/>
+                </a:solidFill>
+                <a:effectLst/>
+                <a:latin typeface="WeblySleek UI"/>
+              </a:rPr>
+              <a:t>AM</a:t>
+            </a:r>
+            <a:r>
+              <a:rPr lang="en-US" sz="3600" dirty="0">
+                <a:solidFill>
+                  <a:srgbClr val="76828A"/>
+                </a:solidFill>
+                <a:latin typeface="WeblySleek UI"/>
+              </a:rPr>
+              <a:t> </a:t>
+            </a:r>
+            <a:r>
+              <a:rPr lang="en-US" sz="3600" b="0" i="0" dirty="0">
+                <a:solidFill>
+                  <a:srgbClr val="4E5758"/>
+                </a:solidFill>
+                <a:effectLst/>
+                <a:latin typeface="WeblySleek UI"/>
+              </a:rPr>
+              <a:t>Cross-platform </a:t>
+            </a:r>
+            <a:r>
+              <a:rPr lang="en-US" sz="3600" b="0" i="0" dirty="0" err="1">
+                <a:solidFill>
+                  <a:srgbClr val="4E5758"/>
+                </a:solidFill>
+                <a:effectLst/>
+                <a:latin typeface="WeblySleek UI"/>
+              </a:rPr>
+              <a:t>Xamarin</a:t>
+            </a:r>
+            <a:r>
+              <a:rPr lang="en-US" sz="3600" b="0" i="0" dirty="0">
+                <a:solidFill>
+                  <a:srgbClr val="4E5758"/>
+                </a:solidFill>
+                <a:effectLst/>
+                <a:latin typeface="WeblySleek UI"/>
+              </a:rPr>
+              <a:t> presentation</a:t>
+            </a:r>
+          </a:p>
+          <a:p>
+            <a:r>
+              <a:rPr lang="en-US" sz="3600" b="0" i="0" dirty="0">
+                <a:solidFill>
+                  <a:srgbClr val="76828A"/>
+                </a:solidFill>
+                <a:effectLst/>
+                <a:latin typeface="WeblySleek UI"/>
+              </a:rPr>
+              <a:t>11:10 </a:t>
+            </a:r>
+            <a:r>
+              <a:rPr lang="en-US" sz="3600" b="0" i="0" dirty="0">
+                <a:solidFill>
+                  <a:srgbClr val="9AA4AB"/>
+                </a:solidFill>
+                <a:effectLst/>
+                <a:latin typeface="WeblySleek UI"/>
+              </a:rPr>
+              <a:t>AM</a:t>
+            </a:r>
+            <a:r>
+              <a:rPr lang="en-US" sz="3600" b="0" i="0" dirty="0">
+                <a:solidFill>
+                  <a:srgbClr val="76828A"/>
+                </a:solidFill>
+                <a:effectLst/>
+                <a:latin typeface="WeblySleek UI"/>
+              </a:rPr>
+              <a:t> – 11:50 </a:t>
+            </a:r>
+            <a:r>
+              <a:rPr lang="en-US" sz="3600" b="0" i="0" dirty="0">
+                <a:solidFill>
+                  <a:srgbClr val="9AA4AB"/>
+                </a:solidFill>
+                <a:effectLst/>
+                <a:latin typeface="WeblySleek UI"/>
+              </a:rPr>
+              <a:t>AM</a:t>
+            </a:r>
+            <a:r>
+              <a:rPr lang="en-US" sz="3600" dirty="0">
+                <a:solidFill>
+                  <a:srgbClr val="76828A"/>
+                </a:solidFill>
+                <a:latin typeface="WeblySleek UI"/>
+              </a:rPr>
+              <a:t> </a:t>
+            </a:r>
+            <a:r>
+              <a:rPr lang="en-US" sz="3600" b="0" i="0" dirty="0">
+                <a:solidFill>
+                  <a:srgbClr val="4E5758"/>
+                </a:solidFill>
+                <a:effectLst/>
+                <a:latin typeface="WeblySleek UI"/>
+              </a:rPr>
+              <a:t>Cloud </a:t>
+            </a:r>
+            <a:r>
+              <a:rPr lang="en-US" sz="3600" b="0" i="0" dirty="0" err="1">
+                <a:solidFill>
+                  <a:srgbClr val="4E5758"/>
+                </a:solidFill>
+                <a:effectLst/>
+                <a:latin typeface="WeblySleek UI"/>
+              </a:rPr>
+              <a:t>Xamarin</a:t>
+            </a:r>
+            <a:r>
+              <a:rPr lang="en-US" sz="3600" b="0" i="0" dirty="0">
+                <a:solidFill>
+                  <a:srgbClr val="4E5758"/>
+                </a:solidFill>
+                <a:effectLst/>
+                <a:latin typeface="WeblySleek UI"/>
+              </a:rPr>
+              <a:t> presentation</a:t>
+            </a:r>
+          </a:p>
+          <a:p>
+            <a:r>
+              <a:rPr lang="en-US" sz="3600" b="0" i="0" dirty="0">
+                <a:solidFill>
+                  <a:srgbClr val="76828A"/>
+                </a:solidFill>
+                <a:effectLst/>
+                <a:latin typeface="WeblySleek UI"/>
+              </a:rPr>
+              <a:t>12:00 </a:t>
+            </a:r>
+            <a:r>
+              <a:rPr lang="en-US" sz="3600" b="0" i="0" dirty="0">
+                <a:solidFill>
+                  <a:srgbClr val="9AA4AB"/>
+                </a:solidFill>
+                <a:effectLst/>
+                <a:latin typeface="WeblySleek UI"/>
+              </a:rPr>
+              <a:t>PM</a:t>
+            </a:r>
+            <a:r>
+              <a:rPr lang="en-US" sz="3600" b="0" i="0" dirty="0">
+                <a:solidFill>
+                  <a:srgbClr val="76828A"/>
+                </a:solidFill>
+                <a:effectLst/>
+                <a:latin typeface="WeblySleek UI"/>
+              </a:rPr>
+              <a:t> – 1:00 </a:t>
+            </a:r>
+            <a:r>
+              <a:rPr lang="en-US" sz="3600" b="0" i="0" dirty="0">
+                <a:solidFill>
+                  <a:srgbClr val="9AA4AB"/>
+                </a:solidFill>
+                <a:effectLst/>
+                <a:latin typeface="WeblySleek UI"/>
+              </a:rPr>
+              <a:t>PM</a:t>
+            </a:r>
+            <a:endParaRPr lang="en-US" sz="3600" b="0" i="0" dirty="0">
+              <a:solidFill>
+                <a:srgbClr val="76828A"/>
+              </a:solidFill>
+              <a:effectLst/>
+              <a:latin typeface="WeblySleek UI"/>
+            </a:endParaRPr>
+          </a:p>
+          <a:p>
+            <a:r>
+              <a:rPr lang="en-US" sz="3600" b="0" i="0" dirty="0">
+                <a:solidFill>
+                  <a:srgbClr val="4E5758"/>
+                </a:solidFill>
+                <a:effectLst/>
+                <a:latin typeface="WeblySleek UI"/>
+              </a:rPr>
+              <a:t>Lunch</a:t>
+            </a:r>
+          </a:p>
+          <a:p>
+            <a:r>
+              <a:rPr lang="en-US" sz="3600" b="0" i="0" dirty="0">
+                <a:solidFill>
+                  <a:srgbClr val="76828A"/>
+                </a:solidFill>
+                <a:effectLst/>
+                <a:latin typeface="WeblySleek UI"/>
+              </a:rPr>
+              <a:t>1:00 </a:t>
+            </a:r>
+            <a:r>
+              <a:rPr lang="en-US" sz="3600" b="0" i="0" dirty="0">
+                <a:solidFill>
+                  <a:srgbClr val="9AA4AB"/>
+                </a:solidFill>
+                <a:effectLst/>
+                <a:latin typeface="WeblySleek UI"/>
+              </a:rPr>
+              <a:t>PM</a:t>
+            </a:r>
+            <a:r>
+              <a:rPr lang="en-US" sz="3600" b="0" i="0" dirty="0">
+                <a:solidFill>
+                  <a:srgbClr val="76828A"/>
+                </a:solidFill>
+                <a:effectLst/>
+                <a:latin typeface="WeblySleek UI"/>
+              </a:rPr>
+              <a:t> – 4:00 </a:t>
+            </a:r>
+            <a:r>
+              <a:rPr lang="en-US" sz="3600" b="0" i="0" dirty="0">
+                <a:solidFill>
+                  <a:srgbClr val="9AA4AB"/>
+                </a:solidFill>
+                <a:effectLst/>
+                <a:latin typeface="WeblySleek UI"/>
+              </a:rPr>
+              <a:t>PM</a:t>
+            </a:r>
+            <a:endParaRPr lang="en-US" sz="3600" b="0" i="0" dirty="0">
+              <a:solidFill>
+                <a:srgbClr val="76828A"/>
+              </a:solidFill>
+              <a:effectLst/>
+              <a:latin typeface="WeblySleek UI"/>
+            </a:endParaRPr>
+          </a:p>
+          <a:p>
+            <a:r>
+              <a:rPr lang="en-US" sz="3600" b="0" i="0" dirty="0">
+                <a:solidFill>
+                  <a:srgbClr val="4E5758"/>
+                </a:solidFill>
+                <a:effectLst/>
+                <a:latin typeface="WeblySleek UI"/>
+              </a:rPr>
+              <a:t>Hackathon Challenge Walkthrough</a:t>
+            </a:r>
+          </a:p>
+          <a:p>
+            <a:pPr algn="l"/>
+            <a:endParaRPr lang="en-US" sz="3600" dirty="0"/>
+          </a:p>
+        </p:txBody>
+      </p:sp>
+    </p:spTree>
+    <p:extLst>
+      <p:ext uri="{BB962C8B-B14F-4D97-AF65-F5344CB8AC3E}">
+        <p14:creationId xmlns:p14="http://schemas.microsoft.com/office/powerpoint/2010/main" val="1498835663"/>
+      </p:ext>
+    </p:extLst>
+  </p:cSld>
+  <p:clrMapOvr>
+    <a:masterClrMapping/>
+  </p:clrMapOvr>
+</p:sld>
+</file>
+
 <file path=ppt/slides/slide2.xml><?xml version="1.0" encoding="utf-8"?>
 <p:sld xmlns:a="http://schemas.openxmlformats.org/drawingml/2006/main" xmlns:r="http://schemas.openxmlformats.org/officeDocument/2006/relationships" xmlns:p="http://schemas.openxmlformats.org/presentationml/2006/main">
   <p:cSld>
@@ -5908,6 +6649,36 @@
               <a:t>https://university.xamarin.com/lightninglectures</a:t>
             </a:r>
             <a:endParaRPr lang="en-ZA" sz="3600" dirty="0"/>
+          </a:p>
+        </p:txBody>
+      </p:sp>
+      <p:sp>
+        <p:nvSpPr>
+          <p:cNvPr id="3" name="TextBox 2"/>
+          <p:cNvSpPr txBox="1"/>
+          <p:nvPr/>
+        </p:nvSpPr>
+        <p:spPr>
+          <a:xfrm>
+            <a:off x="4916580" y="12525656"/>
+            <a:ext cx="13278971" cy="646331"/>
+          </a:xfrm>
+          <a:prstGeom prst="rect">
+            <a:avLst/>
+          </a:prstGeom>
+          <a:noFill/>
+        </p:spPr>
+        <p:txBody>
+          <a:bodyPr wrap="square" rtlCol="0">
+            <a:spAutoFit/>
+          </a:bodyPr>
+          <a:lstStyle/>
+          <a:p>
+            <a:pPr algn="l"/>
+            <a:r>
+              <a:rPr lang="en-US" sz="3600" dirty="0"/>
+              <a:t>https://tim.klingeleers.be/2016/06/09/xamarin-university-worth-it/</a:t>
+            </a:r>
           </a:p>
         </p:txBody>
       </p:sp>

--- a/24062016/Presentations/Introduction to Xamarin.pptx
+++ b/24062016/Presentations/Introduction to Xamarin.pptx
@@ -3390,19 +3390,7 @@
                 <a:cs typeface="Quattrocento Sans"/>
                 <a:sym typeface="Quattrocento Sans"/>
               </a:rPr>
-              <a:t> Dev Days South Africa! #</a:t>
-            </a:r>
-            <a:r>
-              <a:rPr lang="en-US" sz="6600" b="0" i="0" u="none" strike="noStrike" cap="none" dirty="0" err="1">
-                <a:solidFill>
-                  <a:srgbClr val="18B4E2"/>
-                </a:solidFill>
-                <a:latin typeface="Quattrocento Sans"/>
-                <a:ea typeface="Quattrocento Sans"/>
-                <a:cs typeface="Quattrocento Sans"/>
-                <a:sym typeface="Quattrocento Sans"/>
-              </a:rPr>
-              <a:t>XamarinDevDays</a:t>
+              <a:t> Dev Days South Africa! </a:t>
             </a:r>
             <a:br>
               <a:rPr lang="en-US" sz="6600" b="0" i="0" u="none" strike="noStrike" cap="none" dirty="0">
@@ -3435,7 +3423,7 @@
         </p:nvSpPr>
         <p:spPr>
           <a:xfrm>
-            <a:off x="5897097" y="11377052"/>
+            <a:off x="2336817" y="11180949"/>
             <a:ext cx="11794190" cy="769441"/>
           </a:xfrm>
           <a:prstGeom prst="rect">
@@ -3468,8 +3456,8 @@
         </p:nvSpPr>
         <p:spPr>
           <a:xfrm>
-            <a:off x="3601429" y="3844666"/>
-            <a:ext cx="18265588" cy="5078313"/>
+            <a:off x="2336817" y="4629496"/>
+            <a:ext cx="19710466" cy="4832092"/>
           </a:xfrm>
           <a:prstGeom prst="rect">
             <a:avLst/>
@@ -3483,433 +3471,327 @@
           <a:lstStyle/>
           <a:p>
             <a:r>
-              <a:rPr lang="en-US" sz="3600" b="0" i="0" dirty="0">
-                <a:solidFill>
-                  <a:srgbClr val="76828A"/>
+              <a:rPr lang="en-US" sz="4400" b="0" i="0" dirty="0">
+                <a:solidFill>
+                  <a:schemeClr val="tx1"/>
                 </a:solidFill>
                 <a:effectLst/>
-                <a:latin typeface="WeblySleek UI"/>
-              </a:rPr>
-              <a:t>9:00 </a:t>
-            </a:r>
-            <a:r>
-              <a:rPr lang="en-US" sz="3600" b="0" i="0" dirty="0">
-                <a:solidFill>
-                  <a:srgbClr val="9AA4AB"/>
+                <a:latin typeface="Courier New" panose="02070309020205020404" pitchFamily="49" charset="0"/>
+                <a:cs typeface="Courier New" panose="02070309020205020404" pitchFamily="49" charset="0"/>
+              </a:rPr>
+              <a:t>09:00 AM – 09:30 AM</a:t>
+            </a:r>
+            <a:r>
+              <a:rPr lang="en-US" sz="4400" dirty="0">
+                <a:solidFill>
+                  <a:schemeClr val="tx1"/>
+                </a:solidFill>
+                <a:latin typeface="Courier New" panose="02070309020205020404" pitchFamily="49" charset="0"/>
+                <a:cs typeface="Courier New" panose="02070309020205020404" pitchFamily="49" charset="0"/>
+              </a:rPr>
+              <a:t> 	</a:t>
+            </a:r>
+            <a:r>
+              <a:rPr lang="en-US" sz="4400" b="0" i="0" dirty="0">
+                <a:solidFill>
+                  <a:schemeClr val="tx1"/>
                 </a:solidFill>
                 <a:effectLst/>
-                <a:latin typeface="WeblySleek UI"/>
-              </a:rPr>
-              <a:t>AM</a:t>
-            </a:r>
-            <a:r>
-              <a:rPr lang="en-US" sz="3600" b="0" i="0" dirty="0">
-                <a:solidFill>
-                  <a:srgbClr val="76828A"/>
+                <a:latin typeface="Courier New" panose="02070309020205020404" pitchFamily="49" charset="0"/>
+                <a:cs typeface="Courier New" panose="02070309020205020404" pitchFamily="49" charset="0"/>
+              </a:rPr>
+              <a:t>Registration</a:t>
+            </a:r>
+          </a:p>
+          <a:p>
+            <a:r>
+              <a:rPr lang="en-US" sz="4400" b="0" i="0" dirty="0">
+                <a:solidFill>
+                  <a:schemeClr val="tx1"/>
                 </a:solidFill>
                 <a:effectLst/>
-                <a:latin typeface="WeblySleek UI"/>
-              </a:rPr>
-              <a:t> – 9:30 </a:t>
-            </a:r>
-            <a:r>
-              <a:rPr lang="en-US" sz="3600" b="0" i="0" dirty="0">
-                <a:solidFill>
-                  <a:srgbClr val="9AA4AB"/>
+                <a:latin typeface="Courier New" panose="02070309020205020404" pitchFamily="49" charset="0"/>
+                <a:cs typeface="Courier New" panose="02070309020205020404" pitchFamily="49" charset="0"/>
+              </a:rPr>
+              <a:t>09:30 AM – 10:10 AM</a:t>
+            </a:r>
+            <a:r>
+              <a:rPr lang="en-US" sz="4400" dirty="0">
+                <a:solidFill>
+                  <a:schemeClr val="tx1"/>
+                </a:solidFill>
+                <a:latin typeface="Courier New" panose="02070309020205020404" pitchFamily="49" charset="0"/>
+                <a:cs typeface="Courier New" panose="02070309020205020404" pitchFamily="49" charset="0"/>
+              </a:rPr>
+              <a:t> 	</a:t>
+            </a:r>
+            <a:r>
+              <a:rPr lang="en-US" sz="4400" b="0" i="0" dirty="0">
+                <a:solidFill>
+                  <a:schemeClr val="tx1"/>
                 </a:solidFill>
                 <a:effectLst/>
-                <a:latin typeface="WeblySleek UI"/>
-              </a:rPr>
-              <a:t>AM</a:t>
-            </a:r>
-            <a:r>
-              <a:rPr lang="en-US" sz="3600" dirty="0">
-                <a:solidFill>
-                  <a:srgbClr val="76828A"/>
-                </a:solidFill>
-                <a:latin typeface="WeblySleek UI"/>
-              </a:rPr>
-              <a:t> </a:t>
-            </a:r>
-            <a:r>
-              <a:rPr lang="en-US" sz="3600" b="0" i="0" dirty="0">
-                <a:solidFill>
-                  <a:srgbClr val="4E5758"/>
+                <a:latin typeface="Courier New" panose="02070309020205020404" pitchFamily="49" charset="0"/>
+                <a:cs typeface="Courier New" panose="02070309020205020404" pitchFamily="49" charset="0"/>
+              </a:rPr>
+              <a:t>Intro </a:t>
+            </a:r>
+            <a:r>
+              <a:rPr lang="en-US" sz="4400" b="0" i="0" dirty="0" err="1">
+                <a:solidFill>
+                  <a:schemeClr val="tx1"/>
                 </a:solidFill>
                 <a:effectLst/>
-                <a:latin typeface="WeblySleek UI"/>
-              </a:rPr>
-              <a:t>Registration</a:t>
-            </a:r>
-          </a:p>
-          <a:p>
-            <a:r>
-              <a:rPr lang="en-US" sz="3600" b="0" i="0" dirty="0">
-                <a:solidFill>
-                  <a:srgbClr val="76828A"/>
+                <a:latin typeface="Courier New" panose="02070309020205020404" pitchFamily="49" charset="0"/>
+                <a:cs typeface="Courier New" panose="02070309020205020404" pitchFamily="49" charset="0"/>
+              </a:rPr>
+              <a:t>Xamarin</a:t>
+            </a:r>
+            <a:r>
+              <a:rPr lang="en-US" sz="4400" b="0" i="0" dirty="0">
+                <a:solidFill>
+                  <a:schemeClr val="tx1"/>
                 </a:solidFill>
                 <a:effectLst/>
-                <a:latin typeface="WeblySleek UI"/>
-              </a:rPr>
-              <a:t>9:30 </a:t>
-            </a:r>
-            <a:r>
-              <a:rPr lang="en-US" sz="3600" b="0" i="0" dirty="0">
-                <a:solidFill>
-                  <a:srgbClr val="9AA4AB"/>
+                <a:latin typeface="Courier New" panose="02070309020205020404" pitchFamily="49" charset="0"/>
+                <a:cs typeface="Courier New" panose="02070309020205020404" pitchFamily="49" charset="0"/>
+              </a:rPr>
+              <a:t> presentation</a:t>
+            </a:r>
+          </a:p>
+          <a:p>
+            <a:r>
+              <a:rPr lang="en-US" sz="4400" b="0" i="0" dirty="0">
+                <a:solidFill>
+                  <a:schemeClr val="tx1"/>
                 </a:solidFill>
                 <a:effectLst/>
-                <a:latin typeface="WeblySleek UI"/>
-              </a:rPr>
-              <a:t>AM</a:t>
-            </a:r>
-            <a:r>
-              <a:rPr lang="en-US" sz="3600" b="0" i="0" dirty="0">
-                <a:solidFill>
-                  <a:srgbClr val="76828A"/>
+                <a:latin typeface="Courier New" panose="02070309020205020404" pitchFamily="49" charset="0"/>
+                <a:cs typeface="Courier New" panose="02070309020205020404" pitchFamily="49" charset="0"/>
+              </a:rPr>
+              <a:t>10:20 AM – 11:00 AM</a:t>
+            </a:r>
+            <a:r>
+              <a:rPr lang="en-US" sz="4400" dirty="0">
+                <a:solidFill>
+                  <a:schemeClr val="tx1"/>
+                </a:solidFill>
+                <a:latin typeface="Courier New" panose="02070309020205020404" pitchFamily="49" charset="0"/>
+                <a:cs typeface="Courier New" panose="02070309020205020404" pitchFamily="49" charset="0"/>
+              </a:rPr>
+              <a:t> 	</a:t>
+            </a:r>
+            <a:r>
+              <a:rPr lang="en-US" sz="4400" b="0" i="0" dirty="0">
+                <a:solidFill>
+                  <a:schemeClr val="tx1"/>
                 </a:solidFill>
                 <a:effectLst/>
-                <a:latin typeface="WeblySleek UI"/>
-              </a:rPr>
-              <a:t> – 10:10 </a:t>
-            </a:r>
-            <a:r>
-              <a:rPr lang="en-US" sz="3600" b="0" i="0" dirty="0">
-                <a:solidFill>
-                  <a:srgbClr val="9AA4AB"/>
+                <a:latin typeface="Courier New" panose="02070309020205020404" pitchFamily="49" charset="0"/>
+                <a:cs typeface="Courier New" panose="02070309020205020404" pitchFamily="49" charset="0"/>
+              </a:rPr>
+              <a:t>Cross-platform </a:t>
+            </a:r>
+            <a:r>
+              <a:rPr lang="en-US" sz="4400" b="0" i="0" dirty="0" err="1">
+                <a:solidFill>
+                  <a:schemeClr val="tx1"/>
                 </a:solidFill>
                 <a:effectLst/>
-                <a:latin typeface="WeblySleek UI"/>
-              </a:rPr>
-              <a:t>AM</a:t>
-            </a:r>
-            <a:r>
-              <a:rPr lang="en-US" sz="3600" dirty="0">
-                <a:solidFill>
-                  <a:srgbClr val="76828A"/>
-                </a:solidFill>
-                <a:latin typeface="WeblySleek UI"/>
-              </a:rPr>
-              <a:t> </a:t>
-            </a:r>
-            <a:r>
-              <a:rPr lang="en-US" sz="3600" b="0" i="0" dirty="0">
-                <a:solidFill>
-                  <a:srgbClr val="4E5758"/>
+                <a:latin typeface="Courier New" panose="02070309020205020404" pitchFamily="49" charset="0"/>
+                <a:cs typeface="Courier New" panose="02070309020205020404" pitchFamily="49" charset="0"/>
+              </a:rPr>
+              <a:t>Xamarin</a:t>
+            </a:r>
+            <a:r>
+              <a:rPr lang="en-US" sz="4400" b="0" i="0" dirty="0">
+                <a:solidFill>
+                  <a:schemeClr val="tx1"/>
                 </a:solidFill>
                 <a:effectLst/>
-                <a:latin typeface="WeblySleek UI"/>
-              </a:rPr>
-              <a:t>Intro </a:t>
-            </a:r>
-            <a:r>
-              <a:rPr lang="en-US" sz="3600" b="0" i="0" dirty="0" err="1">
-                <a:solidFill>
-                  <a:srgbClr val="4E5758"/>
+                <a:latin typeface="Courier New" panose="02070309020205020404" pitchFamily="49" charset="0"/>
+                <a:cs typeface="Courier New" panose="02070309020205020404" pitchFamily="49" charset="0"/>
+              </a:rPr>
+              <a:t> presentation</a:t>
+            </a:r>
+          </a:p>
+          <a:p>
+            <a:r>
+              <a:rPr lang="en-US" sz="4400" b="0" i="0" dirty="0">
+                <a:solidFill>
+                  <a:schemeClr val="tx1"/>
                 </a:solidFill>
                 <a:effectLst/>
-                <a:latin typeface="WeblySleek UI"/>
+                <a:latin typeface="Courier New" panose="02070309020205020404" pitchFamily="49" charset="0"/>
+                <a:cs typeface="Courier New" panose="02070309020205020404" pitchFamily="49" charset="0"/>
+              </a:rPr>
+              <a:t>11:10 AM – 11:50 AM</a:t>
+            </a:r>
+            <a:r>
+              <a:rPr lang="en-US" sz="4400" dirty="0">
+                <a:solidFill>
+                  <a:schemeClr val="tx1"/>
+                </a:solidFill>
+                <a:latin typeface="Courier New" panose="02070309020205020404" pitchFamily="49" charset="0"/>
+                <a:cs typeface="Courier New" panose="02070309020205020404" pitchFamily="49" charset="0"/>
+              </a:rPr>
+              <a:t> 	</a:t>
+            </a:r>
+            <a:r>
+              <a:rPr lang="en-US" sz="4400" b="0" i="0" dirty="0">
+                <a:solidFill>
+                  <a:schemeClr val="tx1"/>
+                </a:solidFill>
+                <a:effectLst/>
+                <a:latin typeface="Courier New" panose="02070309020205020404" pitchFamily="49" charset="0"/>
+                <a:cs typeface="Courier New" panose="02070309020205020404" pitchFamily="49" charset="0"/>
+              </a:rPr>
+              <a:t>Cloud </a:t>
+            </a:r>
+            <a:r>
+              <a:rPr lang="en-US" sz="4400" b="0" i="0" dirty="0" err="1">
+                <a:solidFill>
+                  <a:schemeClr val="tx1"/>
+                </a:solidFill>
+                <a:effectLst/>
+                <a:latin typeface="Courier New" panose="02070309020205020404" pitchFamily="49" charset="0"/>
+                <a:cs typeface="Courier New" panose="02070309020205020404" pitchFamily="49" charset="0"/>
               </a:rPr>
               <a:t>Xamarin</a:t>
             </a:r>
             <a:r>
-              <a:rPr lang="en-US" sz="3600" b="0" i="0" dirty="0">
-                <a:solidFill>
-                  <a:srgbClr val="4E5758"/>
+              <a:rPr lang="en-US" sz="4400" b="0" i="0" dirty="0">
+                <a:solidFill>
+                  <a:schemeClr val="tx1"/>
                 </a:solidFill>
                 <a:effectLst/>
-                <a:latin typeface="WeblySleek UI"/>
+                <a:latin typeface="Courier New" panose="02070309020205020404" pitchFamily="49" charset="0"/>
+                <a:cs typeface="Courier New" panose="02070309020205020404" pitchFamily="49" charset="0"/>
               </a:rPr>
               <a:t> presentation</a:t>
             </a:r>
           </a:p>
           <a:p>
             <a:r>
-              <a:rPr lang="en-US" sz="3600" b="0" i="0" dirty="0">
-                <a:solidFill>
-                  <a:srgbClr val="76828A"/>
+              <a:rPr lang="en-US" sz="4400" b="0" i="0" dirty="0">
+                <a:solidFill>
+                  <a:schemeClr val="tx1"/>
                 </a:solidFill>
                 <a:effectLst/>
-                <a:latin typeface="WeblySleek UI"/>
-              </a:rPr>
-              <a:t>10:20 </a:t>
-            </a:r>
-            <a:r>
-              <a:rPr lang="en-US" sz="3600" b="0" i="0" dirty="0">
-                <a:solidFill>
-                  <a:srgbClr val="9AA4AB"/>
+                <a:latin typeface="Courier New" panose="02070309020205020404" pitchFamily="49" charset="0"/>
+                <a:cs typeface="Courier New" panose="02070309020205020404" pitchFamily="49" charset="0"/>
+              </a:rPr>
+              <a:t>12:00 PM – 13:00 PM</a:t>
+            </a:r>
+            <a:r>
+              <a:rPr lang="en-US" sz="4400" dirty="0">
+                <a:solidFill>
+                  <a:schemeClr val="tx1"/>
+                </a:solidFill>
+                <a:latin typeface="Courier New" panose="02070309020205020404" pitchFamily="49" charset="0"/>
+                <a:cs typeface="Courier New" panose="02070309020205020404" pitchFamily="49" charset="0"/>
+              </a:rPr>
+              <a:t> 	</a:t>
+            </a:r>
+            <a:r>
+              <a:rPr lang="en-US" sz="4400" b="0" i="0" dirty="0">
+                <a:solidFill>
+                  <a:schemeClr val="tx1"/>
                 </a:solidFill>
                 <a:effectLst/>
-                <a:latin typeface="WeblySleek UI"/>
-              </a:rPr>
-              <a:t>AM</a:t>
-            </a:r>
-            <a:r>
-              <a:rPr lang="en-US" sz="3600" b="0" i="0" dirty="0">
-                <a:solidFill>
-                  <a:srgbClr val="76828A"/>
+                <a:latin typeface="Courier New" panose="02070309020205020404" pitchFamily="49" charset="0"/>
+                <a:cs typeface="Courier New" panose="02070309020205020404" pitchFamily="49" charset="0"/>
+              </a:rPr>
+              <a:t>Lunch </a:t>
+            </a:r>
+          </a:p>
+          <a:p>
+            <a:r>
+              <a:rPr lang="en-US" sz="4400" b="0" i="0" dirty="0">
+                <a:solidFill>
+                  <a:schemeClr val="tx1"/>
                 </a:solidFill>
                 <a:effectLst/>
-                <a:latin typeface="WeblySleek UI"/>
-              </a:rPr>
-              <a:t> – 11:00 </a:t>
-            </a:r>
-            <a:r>
-              <a:rPr lang="en-US" sz="3600" b="0" i="0" dirty="0">
-                <a:solidFill>
-                  <a:srgbClr val="9AA4AB"/>
+                <a:latin typeface="Courier New" panose="02070309020205020404" pitchFamily="49" charset="0"/>
+                <a:cs typeface="Courier New" panose="02070309020205020404" pitchFamily="49" charset="0"/>
+              </a:rPr>
+              <a:t>01:00 PM – 16:00 PM</a:t>
+            </a:r>
+            <a:r>
+              <a:rPr lang="en-US" sz="4400" dirty="0">
+                <a:solidFill>
+                  <a:schemeClr val="tx1"/>
+                </a:solidFill>
+                <a:latin typeface="Courier New" panose="02070309020205020404" pitchFamily="49" charset="0"/>
+                <a:cs typeface="Courier New" panose="02070309020205020404" pitchFamily="49" charset="0"/>
+              </a:rPr>
+              <a:t> 	</a:t>
+            </a:r>
+            <a:r>
+              <a:rPr lang="en-US" sz="4400" b="0" i="0" dirty="0">
+                <a:solidFill>
+                  <a:schemeClr val="tx1"/>
                 </a:solidFill>
                 <a:effectLst/>
-                <a:latin typeface="WeblySleek UI"/>
-              </a:rPr>
-              <a:t>AM</a:t>
-            </a:r>
-            <a:r>
-              <a:rPr lang="en-US" sz="3600" dirty="0">
-                <a:solidFill>
-                  <a:srgbClr val="76828A"/>
-                </a:solidFill>
-                <a:latin typeface="WeblySleek UI"/>
-              </a:rPr>
-              <a:t> </a:t>
-            </a:r>
-            <a:r>
-              <a:rPr lang="en-US" sz="3600" b="0" i="0" dirty="0">
-                <a:solidFill>
-                  <a:srgbClr val="4E5758"/>
-                </a:solidFill>
-                <a:effectLst/>
-                <a:latin typeface="WeblySleek UI"/>
-              </a:rPr>
-              <a:t>Cross-platform </a:t>
-            </a:r>
-            <a:r>
-              <a:rPr lang="en-US" sz="3600" b="0" i="0" dirty="0" err="1">
-                <a:solidFill>
-                  <a:srgbClr val="4E5758"/>
-                </a:solidFill>
-                <a:effectLst/>
-                <a:latin typeface="WeblySleek UI"/>
-              </a:rPr>
-              <a:t>Xamarin</a:t>
-            </a:r>
-            <a:r>
-              <a:rPr lang="en-US" sz="3600" b="0" i="0" dirty="0">
-                <a:solidFill>
-                  <a:srgbClr val="4E5758"/>
-                </a:solidFill>
-                <a:effectLst/>
-                <a:latin typeface="WeblySleek UI"/>
-              </a:rPr>
-              <a:t> presentation</a:t>
-            </a:r>
-          </a:p>
-          <a:p>
-            <a:r>
-              <a:rPr lang="en-US" sz="3600" b="0" i="0" dirty="0">
-                <a:solidFill>
-                  <a:srgbClr val="76828A"/>
-                </a:solidFill>
-                <a:effectLst/>
-                <a:latin typeface="WeblySleek UI"/>
-              </a:rPr>
-              <a:t>11:10 </a:t>
-            </a:r>
-            <a:r>
-              <a:rPr lang="en-US" sz="3600" b="0" i="0" dirty="0">
-                <a:solidFill>
-                  <a:srgbClr val="9AA4AB"/>
-                </a:solidFill>
-                <a:effectLst/>
-                <a:latin typeface="WeblySleek UI"/>
-              </a:rPr>
-              <a:t>AM</a:t>
-            </a:r>
-            <a:r>
-              <a:rPr lang="en-US" sz="3600" b="0" i="0" dirty="0">
-                <a:solidFill>
-                  <a:srgbClr val="76828A"/>
-                </a:solidFill>
-                <a:effectLst/>
-                <a:latin typeface="WeblySleek UI"/>
-              </a:rPr>
-              <a:t> – 11:50 </a:t>
-            </a:r>
-            <a:r>
-              <a:rPr lang="en-US" sz="3600" b="0" i="0" dirty="0">
-                <a:solidFill>
-                  <a:srgbClr val="9AA4AB"/>
-                </a:solidFill>
-                <a:effectLst/>
-                <a:latin typeface="WeblySleek UI"/>
-              </a:rPr>
-              <a:t>AM</a:t>
-            </a:r>
-            <a:r>
-              <a:rPr lang="en-US" sz="3600" dirty="0">
-                <a:solidFill>
-                  <a:srgbClr val="76828A"/>
-                </a:solidFill>
-                <a:latin typeface="WeblySleek UI"/>
-              </a:rPr>
-              <a:t> </a:t>
-            </a:r>
-            <a:r>
-              <a:rPr lang="en-US" sz="3600" b="0" i="0" dirty="0">
-                <a:solidFill>
-                  <a:srgbClr val="4E5758"/>
-                </a:solidFill>
-                <a:effectLst/>
-                <a:latin typeface="WeblySleek UI"/>
-              </a:rPr>
-              <a:t>Cloud </a:t>
-            </a:r>
-            <a:r>
-              <a:rPr lang="en-US" sz="3600" b="0" i="0" dirty="0" err="1">
-                <a:solidFill>
-                  <a:srgbClr val="4E5758"/>
-                </a:solidFill>
-                <a:effectLst/>
-                <a:latin typeface="WeblySleek UI"/>
-              </a:rPr>
-              <a:t>Xamarin</a:t>
-            </a:r>
-            <a:r>
-              <a:rPr lang="en-US" sz="3600" b="0" i="0" dirty="0">
-                <a:solidFill>
-                  <a:srgbClr val="4E5758"/>
-                </a:solidFill>
-                <a:effectLst/>
-                <a:latin typeface="WeblySleek UI"/>
-              </a:rPr>
-              <a:t> presentation</a:t>
-            </a:r>
-          </a:p>
-          <a:p>
-            <a:r>
-              <a:rPr lang="en-US" sz="3600" b="0" i="0" dirty="0">
-                <a:solidFill>
-                  <a:srgbClr val="76828A"/>
-                </a:solidFill>
-                <a:effectLst/>
-                <a:latin typeface="WeblySleek UI"/>
-              </a:rPr>
-              <a:t>12:00 </a:t>
-            </a:r>
-            <a:r>
-              <a:rPr lang="en-US" sz="3600" b="0" i="0" dirty="0">
-                <a:solidFill>
-                  <a:srgbClr val="9AA4AB"/>
-                </a:solidFill>
-                <a:effectLst/>
-                <a:latin typeface="WeblySleek UI"/>
-              </a:rPr>
-              <a:t>PM</a:t>
-            </a:r>
-            <a:r>
-              <a:rPr lang="en-US" sz="3600" b="0" i="0" dirty="0">
-                <a:solidFill>
-                  <a:srgbClr val="76828A"/>
-                </a:solidFill>
-                <a:effectLst/>
-                <a:latin typeface="WeblySleek UI"/>
-              </a:rPr>
-              <a:t> – 1:00 </a:t>
-            </a:r>
-            <a:r>
-              <a:rPr lang="en-US" sz="3600" b="0" i="0" dirty="0">
-                <a:solidFill>
-                  <a:srgbClr val="9AA4AB"/>
-                </a:solidFill>
-                <a:effectLst/>
-                <a:latin typeface="WeblySleek UI"/>
-              </a:rPr>
-              <a:t>PM</a:t>
-            </a:r>
-            <a:endParaRPr lang="en-US" sz="3600" b="0" i="0" dirty="0">
-              <a:solidFill>
-                <a:srgbClr val="76828A"/>
-              </a:solidFill>
-              <a:effectLst/>
-              <a:latin typeface="WeblySleek UI"/>
-            </a:endParaRPr>
-          </a:p>
-          <a:p>
-            <a:r>
-              <a:rPr lang="en-US" sz="3600" b="0" i="0" dirty="0">
-                <a:solidFill>
-                  <a:srgbClr val="4E5758"/>
-                </a:solidFill>
-                <a:effectLst/>
-                <a:latin typeface="WeblySleek UI"/>
-              </a:rPr>
-              <a:t>Lunch</a:t>
-            </a:r>
-          </a:p>
-          <a:p>
-            <a:r>
-              <a:rPr lang="en-US" sz="3600" b="0" i="0" dirty="0">
-                <a:solidFill>
-                  <a:srgbClr val="76828A"/>
-                </a:solidFill>
-                <a:effectLst/>
-                <a:latin typeface="WeblySleek UI"/>
-              </a:rPr>
-              <a:t>1:00 </a:t>
-            </a:r>
-            <a:r>
-              <a:rPr lang="en-US" sz="3600" b="0" i="0" dirty="0">
-                <a:solidFill>
-                  <a:srgbClr val="9AA4AB"/>
-                </a:solidFill>
-                <a:effectLst/>
-                <a:latin typeface="WeblySleek UI"/>
-              </a:rPr>
-              <a:t>PM</a:t>
-            </a:r>
-            <a:r>
-              <a:rPr lang="en-US" sz="3600" b="0" i="0" dirty="0">
-                <a:solidFill>
-                  <a:srgbClr val="76828A"/>
-                </a:solidFill>
-                <a:effectLst/>
-                <a:latin typeface="WeblySleek UI"/>
-              </a:rPr>
-              <a:t> – 4:00 </a:t>
-            </a:r>
-            <a:r>
-              <a:rPr lang="en-US" sz="3600" b="0" i="0" dirty="0">
-                <a:solidFill>
-                  <a:srgbClr val="9AA4AB"/>
-                </a:solidFill>
-                <a:effectLst/>
-                <a:latin typeface="WeblySleek UI"/>
-              </a:rPr>
-              <a:t>PM</a:t>
-            </a:r>
-            <a:endParaRPr lang="en-US" sz="3600" b="0" i="0" dirty="0">
-              <a:solidFill>
-                <a:srgbClr val="76828A"/>
-              </a:solidFill>
-              <a:effectLst/>
-              <a:latin typeface="WeblySleek UI"/>
-            </a:endParaRPr>
-          </a:p>
-          <a:p>
-            <a:r>
-              <a:rPr lang="en-US" sz="3600" b="0" i="0" dirty="0">
-                <a:solidFill>
-                  <a:srgbClr val="4E5758"/>
-                </a:solidFill>
-                <a:effectLst/>
-                <a:latin typeface="WeblySleek UI"/>
+                <a:latin typeface="Courier New" panose="02070309020205020404" pitchFamily="49" charset="0"/>
+                <a:cs typeface="Courier New" panose="02070309020205020404" pitchFamily="49" charset="0"/>
               </a:rPr>
               <a:t>Hackathon Challenge Walkthrough</a:t>
             </a:r>
           </a:p>
           <a:p>
             <a:pPr algn="l"/>
-            <a:endParaRPr lang="en-US" sz="3600" dirty="0"/>
+            <a:endParaRPr lang="en-US" sz="4400" dirty="0"/>
+          </a:p>
+        </p:txBody>
+      </p:sp>
+      <p:sp>
+        <p:nvSpPr>
+          <p:cNvPr id="10" name="TextBox 9"/>
+          <p:cNvSpPr txBox="1"/>
+          <p:nvPr/>
+        </p:nvSpPr>
+        <p:spPr>
+          <a:xfrm>
+            <a:off x="16472357" y="11112520"/>
+            <a:ext cx="5574926" cy="837870"/>
+          </a:xfrm>
+          <a:prstGeom prst="rect">
+            <a:avLst/>
+          </a:prstGeom>
+          <a:noFill/>
+        </p:spPr>
+        <p:txBody>
+          <a:bodyPr wrap="square">
+            <a:spAutoFit/>
+          </a:bodyPr>
+          <a:lstStyle/>
+          <a:p>
+            <a:r>
+              <a:rPr lang="en-US" sz="4800" b="0" i="0" u="none" strike="noStrike" cap="none" dirty="0">
+                <a:solidFill>
+                  <a:srgbClr val="18B4E2"/>
+                </a:solidFill>
+                <a:latin typeface="Quattrocento Sans"/>
+                <a:ea typeface="Quattrocento Sans"/>
+                <a:cs typeface="Quattrocento Sans"/>
+                <a:sym typeface="Quattrocento Sans"/>
+              </a:rPr>
+              <a:t>#</a:t>
+            </a:r>
+            <a:r>
+              <a:rPr lang="en-US" sz="4800" b="0" i="0" u="none" strike="noStrike" cap="none" dirty="0" err="1">
+                <a:solidFill>
+                  <a:srgbClr val="18B4E2"/>
+                </a:solidFill>
+                <a:latin typeface="Quattrocento Sans"/>
+                <a:ea typeface="Quattrocento Sans"/>
+                <a:cs typeface="Quattrocento Sans"/>
+                <a:sym typeface="Quattrocento Sans"/>
+              </a:rPr>
+              <a:t>XamarinDevDays</a:t>
+            </a:r>
+            <a:endParaRPr lang="en-US" sz="4800" dirty="0"/>
           </a:p>
         </p:txBody>
       </p:sp>
